--- a/Figures/Figures.pptx
+++ b/Figures/Figures.pptx
@@ -8,6 +8,9 @@
     <p:sldId id="256" r:id="rId2"/>
     <p:sldId id="257" r:id="rId3"/>
     <p:sldId id="258" r:id="rId4"/>
+    <p:sldId id="259" r:id="rId5"/>
+    <p:sldId id="260" r:id="rId6"/>
+    <p:sldId id="261" r:id="rId7"/>
   </p:sldIdLst>
   <p:sldSz cx="12192000" cy="6858000"/>
   <p:notesSz cx="6858000" cy="9144000"/>
@@ -106,6 +109,11 @@
       </a:defRPr>
     </a:lvl9pPr>
   </p:defaultTextStyle>
+  <p:extLst>
+    <p:ext uri="{EFAFB233-063F-42B5-8137-9DF3F51BA10A}">
+      <p15:sldGuideLst xmlns:p15="http://schemas.microsoft.com/office/powerpoint/2012/main"/>
+    </p:ext>
+  </p:extLst>
 </p:presentation>
 </file>
 
@@ -256,7 +264,7 @@
           <a:p>
             <a:fld id="{5FD76617-C15C-47C7-A635-A3CC72DFB9FA}" type="datetimeFigureOut">
               <a:rPr lang="en-US" smtClean="0"/>
-              <a:t>12/28/2023</a:t>
+              <a:t>12/30/2023</a:t>
             </a:fld>
             <a:endParaRPr lang="en-US"/>
           </a:p>
@@ -454,7 +462,7 @@
           <a:p>
             <a:fld id="{5FD76617-C15C-47C7-A635-A3CC72DFB9FA}" type="datetimeFigureOut">
               <a:rPr lang="en-US" smtClean="0"/>
-              <a:t>12/28/2023</a:t>
+              <a:t>12/30/2023</a:t>
             </a:fld>
             <a:endParaRPr lang="en-US"/>
           </a:p>
@@ -662,7 +670,7 @@
           <a:p>
             <a:fld id="{5FD76617-C15C-47C7-A635-A3CC72DFB9FA}" type="datetimeFigureOut">
               <a:rPr lang="en-US" smtClean="0"/>
-              <a:t>12/28/2023</a:t>
+              <a:t>12/30/2023</a:t>
             </a:fld>
             <a:endParaRPr lang="en-US"/>
           </a:p>
@@ -860,7 +868,7 @@
           <a:p>
             <a:fld id="{5FD76617-C15C-47C7-A635-A3CC72DFB9FA}" type="datetimeFigureOut">
               <a:rPr lang="en-US" smtClean="0"/>
-              <a:t>12/28/2023</a:t>
+              <a:t>12/30/2023</a:t>
             </a:fld>
             <a:endParaRPr lang="en-US"/>
           </a:p>
@@ -1135,7 +1143,7 @@
           <a:p>
             <a:fld id="{5FD76617-C15C-47C7-A635-A3CC72DFB9FA}" type="datetimeFigureOut">
               <a:rPr lang="en-US" smtClean="0"/>
-              <a:t>12/28/2023</a:t>
+              <a:t>12/30/2023</a:t>
             </a:fld>
             <a:endParaRPr lang="en-US"/>
           </a:p>
@@ -1400,7 +1408,7 @@
           <a:p>
             <a:fld id="{5FD76617-C15C-47C7-A635-A3CC72DFB9FA}" type="datetimeFigureOut">
               <a:rPr lang="en-US" smtClean="0"/>
-              <a:t>12/28/2023</a:t>
+              <a:t>12/30/2023</a:t>
             </a:fld>
             <a:endParaRPr lang="en-US"/>
           </a:p>
@@ -1812,7 +1820,7 @@
           <a:p>
             <a:fld id="{5FD76617-C15C-47C7-A635-A3CC72DFB9FA}" type="datetimeFigureOut">
               <a:rPr lang="en-US" smtClean="0"/>
-              <a:t>12/28/2023</a:t>
+              <a:t>12/30/2023</a:t>
             </a:fld>
             <a:endParaRPr lang="en-US"/>
           </a:p>
@@ -1953,7 +1961,7 @@
           <a:p>
             <a:fld id="{5FD76617-C15C-47C7-A635-A3CC72DFB9FA}" type="datetimeFigureOut">
               <a:rPr lang="en-US" smtClean="0"/>
-              <a:t>12/28/2023</a:t>
+              <a:t>12/30/2023</a:t>
             </a:fld>
             <a:endParaRPr lang="en-US"/>
           </a:p>
@@ -2066,7 +2074,7 @@
           <a:p>
             <a:fld id="{5FD76617-C15C-47C7-A635-A3CC72DFB9FA}" type="datetimeFigureOut">
               <a:rPr lang="en-US" smtClean="0"/>
-              <a:t>12/28/2023</a:t>
+              <a:t>12/30/2023</a:t>
             </a:fld>
             <a:endParaRPr lang="en-US"/>
           </a:p>
@@ -2377,7 +2385,7 @@
           <a:p>
             <a:fld id="{5FD76617-C15C-47C7-A635-A3CC72DFB9FA}" type="datetimeFigureOut">
               <a:rPr lang="en-US" smtClean="0"/>
-              <a:t>12/28/2023</a:t>
+              <a:t>12/30/2023</a:t>
             </a:fld>
             <a:endParaRPr lang="en-US"/>
           </a:p>
@@ -2665,7 +2673,7 @@
           <a:p>
             <a:fld id="{5FD76617-C15C-47C7-A635-A3CC72DFB9FA}" type="datetimeFigureOut">
               <a:rPr lang="en-US" smtClean="0"/>
-              <a:t>12/28/2023</a:t>
+              <a:t>12/30/2023</a:t>
             </a:fld>
             <a:endParaRPr lang="en-US"/>
           </a:p>
@@ -2906,7 +2914,7 @@
           <a:p>
             <a:fld id="{5FD76617-C15C-47C7-A635-A3CC72DFB9FA}" type="datetimeFigureOut">
               <a:rPr lang="en-US" smtClean="0"/>
-              <a:t>12/28/2023</a:t>
+              <a:t>12/30/2023</a:t>
             </a:fld>
             <a:endParaRPr lang="en-US"/>
           </a:p>
@@ -4583,6 +4591,957 @@
 </p:sld>
 </file>
 
+<file path=ppt/slides/slide4.xml><?xml version="1.0" encoding="utf-8"?>
+<p:sld xmlns:a="http://schemas.openxmlformats.org/drawingml/2006/main" xmlns:r="http://schemas.openxmlformats.org/officeDocument/2006/relationships" xmlns:p="http://schemas.openxmlformats.org/presentationml/2006/main">
+  <p:cSld>
+    <p:spTree>
+      <p:nvGrpSpPr>
+        <p:cNvPr id="1" name=""/>
+        <p:cNvGrpSpPr/>
+        <p:nvPr/>
+      </p:nvGrpSpPr>
+      <p:grpSpPr>
+        <a:xfrm>
+          <a:off x="0" y="0"/>
+          <a:ext cx="0" cy="0"/>
+          <a:chOff x="0" y="0"/>
+          <a:chExt cx="0" cy="0"/>
+        </a:xfrm>
+      </p:grpSpPr>
+      <p:pic>
+        <p:nvPicPr>
+          <p:cNvPr id="3" name="Picture 2">
+            <a:extLst>
+              <a:ext uri="{FF2B5EF4-FFF2-40B4-BE49-F238E27FC236}">
+                <a16:creationId xmlns:a16="http://schemas.microsoft.com/office/drawing/2014/main" id="{1A11C29C-C1F0-8003-4CEA-D775FA89FF86}"/>
+              </a:ext>
+            </a:extLst>
+          </p:cNvPr>
+          <p:cNvPicPr>
+            <a:picLocks noChangeAspect="1"/>
+          </p:cNvPicPr>
+          <p:nvPr/>
+        </p:nvPicPr>
+        <p:blipFill>
+          <a:blip r:embed="rId2"/>
+          <a:stretch>
+            <a:fillRect/>
+          </a:stretch>
+        </p:blipFill>
+        <p:spPr>
+          <a:xfrm>
+            <a:off x="3199621" y="1062846"/>
+            <a:ext cx="1771741" cy="1778091"/>
+          </a:xfrm>
+          <a:prstGeom prst="rect">
+            <a:avLst/>
+          </a:prstGeom>
+        </p:spPr>
+      </p:pic>
+      <p:pic>
+        <p:nvPicPr>
+          <p:cNvPr id="6" name="Picture 5">
+            <a:extLst>
+              <a:ext uri="{FF2B5EF4-FFF2-40B4-BE49-F238E27FC236}">
+                <a16:creationId xmlns:a16="http://schemas.microsoft.com/office/drawing/2014/main" id="{2F89BC61-B2B8-64D8-5358-8FB051B28CD6}"/>
+              </a:ext>
+            </a:extLst>
+          </p:cNvPr>
+          <p:cNvPicPr>
+            <a:picLocks noChangeAspect="1"/>
+          </p:cNvPicPr>
+          <p:nvPr/>
+        </p:nvPicPr>
+        <p:blipFill>
+          <a:blip r:embed="rId3"/>
+          <a:stretch>
+            <a:fillRect/>
+          </a:stretch>
+        </p:blipFill>
+        <p:spPr>
+          <a:xfrm>
+            <a:off x="5090837" y="1062846"/>
+            <a:ext cx="1771740" cy="1784533"/>
+          </a:xfrm>
+          <a:prstGeom prst="rect">
+            <a:avLst/>
+          </a:prstGeom>
+        </p:spPr>
+      </p:pic>
+      <p:pic>
+        <p:nvPicPr>
+          <p:cNvPr id="9" name="Picture 8">
+            <a:extLst>
+              <a:ext uri="{FF2B5EF4-FFF2-40B4-BE49-F238E27FC236}">
+                <a16:creationId xmlns:a16="http://schemas.microsoft.com/office/drawing/2014/main" id="{A1B4077D-356E-E87C-18C4-63191988C63A}"/>
+              </a:ext>
+            </a:extLst>
+          </p:cNvPr>
+          <p:cNvPicPr>
+            <a:picLocks noChangeAspect="1"/>
+          </p:cNvPicPr>
+          <p:nvPr/>
+        </p:nvPicPr>
+        <p:blipFill>
+          <a:blip r:embed="rId4"/>
+          <a:stretch>
+            <a:fillRect/>
+          </a:stretch>
+        </p:blipFill>
+        <p:spPr>
+          <a:xfrm>
+            <a:off x="3199621" y="2928953"/>
+            <a:ext cx="1759040" cy="1739989"/>
+          </a:xfrm>
+          <a:prstGeom prst="rect">
+            <a:avLst/>
+          </a:prstGeom>
+        </p:spPr>
+      </p:pic>
+      <p:pic>
+        <p:nvPicPr>
+          <p:cNvPr id="11" name="Picture 10">
+            <a:extLst>
+              <a:ext uri="{FF2B5EF4-FFF2-40B4-BE49-F238E27FC236}">
+                <a16:creationId xmlns:a16="http://schemas.microsoft.com/office/drawing/2014/main" id="{91D80D9F-56B8-A411-F0A2-1A1A34CFF625}"/>
+              </a:ext>
+            </a:extLst>
+          </p:cNvPr>
+          <p:cNvPicPr>
+            <a:picLocks noChangeAspect="1"/>
+          </p:cNvPicPr>
+          <p:nvPr/>
+        </p:nvPicPr>
+        <p:blipFill>
+          <a:blip r:embed="rId5"/>
+          <a:stretch>
+            <a:fillRect/>
+          </a:stretch>
+        </p:blipFill>
+        <p:spPr>
+          <a:xfrm>
+            <a:off x="5090837" y="2919427"/>
+            <a:ext cx="1752690" cy="1759040"/>
+          </a:xfrm>
+          <a:prstGeom prst="rect">
+            <a:avLst/>
+          </a:prstGeom>
+        </p:spPr>
+      </p:pic>
+    </p:spTree>
+    <p:extLst>
+      <p:ext uri="{BB962C8B-B14F-4D97-AF65-F5344CB8AC3E}">
+        <p14:creationId xmlns:p14="http://schemas.microsoft.com/office/powerpoint/2010/main" val="4129090224"/>
+      </p:ext>
+    </p:extLst>
+  </p:cSld>
+  <p:clrMapOvr>
+    <a:masterClrMapping/>
+  </p:clrMapOvr>
+</p:sld>
+</file>
+
+<file path=ppt/slides/slide5.xml><?xml version="1.0" encoding="utf-8"?>
+<p:sld xmlns:a="http://schemas.openxmlformats.org/drawingml/2006/main" xmlns:r="http://schemas.openxmlformats.org/officeDocument/2006/relationships" xmlns:p="http://schemas.openxmlformats.org/presentationml/2006/main">
+  <p:cSld>
+    <p:spTree>
+      <p:nvGrpSpPr>
+        <p:cNvPr id="1" name=""/>
+        <p:cNvGrpSpPr/>
+        <p:nvPr/>
+      </p:nvGrpSpPr>
+      <p:grpSpPr>
+        <a:xfrm>
+          <a:off x="0" y="0"/>
+          <a:ext cx="0" cy="0"/>
+          <a:chOff x="0" y="0"/>
+          <a:chExt cx="0" cy="0"/>
+        </a:xfrm>
+      </p:grpSpPr>
+      <p:pic>
+        <p:nvPicPr>
+          <p:cNvPr id="15" name="Picture 14">
+            <a:extLst>
+              <a:ext uri="{FF2B5EF4-FFF2-40B4-BE49-F238E27FC236}">
+                <a16:creationId xmlns:a16="http://schemas.microsoft.com/office/drawing/2014/main" id="{F6131EBE-61C6-3DEE-7E67-245B51CD01C6}"/>
+              </a:ext>
+            </a:extLst>
+          </p:cNvPr>
+          <p:cNvPicPr>
+            <a:picLocks noChangeAspect="1"/>
+          </p:cNvPicPr>
+          <p:nvPr/>
+        </p:nvPicPr>
+        <p:blipFill>
+          <a:blip r:embed="rId2"/>
+          <a:stretch>
+            <a:fillRect/>
+          </a:stretch>
+        </p:blipFill>
+        <p:spPr>
+          <a:xfrm>
+            <a:off x="1489788" y="2652892"/>
+            <a:ext cx="2021140" cy="2021140"/>
+          </a:xfrm>
+          <a:prstGeom prst="rect">
+            <a:avLst/>
+          </a:prstGeom>
+        </p:spPr>
+      </p:pic>
+      <p:pic>
+        <p:nvPicPr>
+          <p:cNvPr id="17" name="Picture 16">
+            <a:extLst>
+              <a:ext uri="{FF2B5EF4-FFF2-40B4-BE49-F238E27FC236}">
+                <a16:creationId xmlns:a16="http://schemas.microsoft.com/office/drawing/2014/main" id="{3781F096-9662-F76D-32E0-3B5141C0EA88}"/>
+              </a:ext>
+            </a:extLst>
+          </p:cNvPr>
+          <p:cNvPicPr>
+            <a:picLocks noChangeAspect="1"/>
+          </p:cNvPicPr>
+          <p:nvPr/>
+        </p:nvPicPr>
+        <p:blipFill>
+          <a:blip r:embed="rId3"/>
+          <a:stretch>
+            <a:fillRect/>
+          </a:stretch>
+        </p:blipFill>
+        <p:spPr>
+          <a:xfrm>
+            <a:off x="3510927" y="2652892"/>
+            <a:ext cx="2021141" cy="2021141"/>
+          </a:xfrm>
+          <a:prstGeom prst="rect">
+            <a:avLst/>
+          </a:prstGeom>
+        </p:spPr>
+      </p:pic>
+      <p:pic>
+        <p:nvPicPr>
+          <p:cNvPr id="19" name="Picture 18">
+            <a:extLst>
+              <a:ext uri="{FF2B5EF4-FFF2-40B4-BE49-F238E27FC236}">
+                <a16:creationId xmlns:a16="http://schemas.microsoft.com/office/drawing/2014/main" id="{685F8CC7-28E8-8795-2F1B-1841BD8B5406}"/>
+              </a:ext>
+            </a:extLst>
+          </p:cNvPr>
+          <p:cNvPicPr>
+            <a:picLocks noChangeAspect="1"/>
+          </p:cNvPicPr>
+          <p:nvPr/>
+        </p:nvPicPr>
+        <p:blipFill>
+          <a:blip r:embed="rId4"/>
+          <a:stretch>
+            <a:fillRect/>
+          </a:stretch>
+        </p:blipFill>
+        <p:spPr>
+          <a:xfrm>
+            <a:off x="5532068" y="2652892"/>
+            <a:ext cx="2021140" cy="2021140"/>
+          </a:xfrm>
+          <a:prstGeom prst="rect">
+            <a:avLst/>
+          </a:prstGeom>
+        </p:spPr>
+      </p:pic>
+      <p:pic>
+        <p:nvPicPr>
+          <p:cNvPr id="21" name="Picture 20">
+            <a:extLst>
+              <a:ext uri="{FF2B5EF4-FFF2-40B4-BE49-F238E27FC236}">
+                <a16:creationId xmlns:a16="http://schemas.microsoft.com/office/drawing/2014/main" id="{FB285CAA-A25C-5930-1861-842743B0601A}"/>
+              </a:ext>
+            </a:extLst>
+          </p:cNvPr>
+          <p:cNvPicPr>
+            <a:picLocks noChangeAspect="1"/>
+          </p:cNvPicPr>
+          <p:nvPr/>
+        </p:nvPicPr>
+        <p:blipFill>
+          <a:blip r:embed="rId5"/>
+          <a:stretch>
+            <a:fillRect/>
+          </a:stretch>
+        </p:blipFill>
+        <p:spPr>
+          <a:xfrm>
+            <a:off x="7553208" y="2652892"/>
+            <a:ext cx="2021140" cy="2021140"/>
+          </a:xfrm>
+          <a:prstGeom prst="rect">
+            <a:avLst/>
+          </a:prstGeom>
+        </p:spPr>
+      </p:pic>
+      <p:pic>
+        <p:nvPicPr>
+          <p:cNvPr id="23" name="Picture 22">
+            <a:extLst>
+              <a:ext uri="{FF2B5EF4-FFF2-40B4-BE49-F238E27FC236}">
+                <a16:creationId xmlns:a16="http://schemas.microsoft.com/office/drawing/2014/main" id="{1B1D88FF-D974-4FA8-263A-4EAD70E12D97}"/>
+              </a:ext>
+            </a:extLst>
+          </p:cNvPr>
+          <p:cNvPicPr>
+            <a:picLocks noChangeAspect="1"/>
+          </p:cNvPicPr>
+          <p:nvPr/>
+        </p:nvPicPr>
+        <p:blipFill>
+          <a:blip r:embed="rId6"/>
+          <a:stretch>
+            <a:fillRect/>
+          </a:stretch>
+        </p:blipFill>
+        <p:spPr>
+          <a:xfrm>
+            <a:off x="7553208" y="631752"/>
+            <a:ext cx="2021140" cy="2021140"/>
+          </a:xfrm>
+          <a:prstGeom prst="rect">
+            <a:avLst/>
+          </a:prstGeom>
+        </p:spPr>
+      </p:pic>
+      <p:pic>
+        <p:nvPicPr>
+          <p:cNvPr id="25" name="Picture 24">
+            <a:extLst>
+              <a:ext uri="{FF2B5EF4-FFF2-40B4-BE49-F238E27FC236}">
+                <a16:creationId xmlns:a16="http://schemas.microsoft.com/office/drawing/2014/main" id="{AFA7E8BD-EBD0-300C-C2C0-A9D1F8A7F5A7}"/>
+              </a:ext>
+            </a:extLst>
+          </p:cNvPr>
+          <p:cNvPicPr>
+            <a:picLocks noChangeAspect="1"/>
+          </p:cNvPicPr>
+          <p:nvPr/>
+        </p:nvPicPr>
+        <p:blipFill>
+          <a:blip r:embed="rId7"/>
+          <a:stretch>
+            <a:fillRect/>
+          </a:stretch>
+        </p:blipFill>
+        <p:spPr>
+          <a:xfrm>
+            <a:off x="5532068" y="631752"/>
+            <a:ext cx="2021141" cy="2021141"/>
+          </a:xfrm>
+          <a:prstGeom prst="rect">
+            <a:avLst/>
+          </a:prstGeom>
+        </p:spPr>
+      </p:pic>
+      <p:pic>
+        <p:nvPicPr>
+          <p:cNvPr id="27" name="Picture 26">
+            <a:extLst>
+              <a:ext uri="{FF2B5EF4-FFF2-40B4-BE49-F238E27FC236}">
+                <a16:creationId xmlns:a16="http://schemas.microsoft.com/office/drawing/2014/main" id="{ACA2A0E3-8DC2-0B44-A7FC-BF3247C70EB9}"/>
+              </a:ext>
+            </a:extLst>
+          </p:cNvPr>
+          <p:cNvPicPr>
+            <a:picLocks noChangeAspect="1"/>
+          </p:cNvPicPr>
+          <p:nvPr/>
+        </p:nvPicPr>
+        <p:blipFill>
+          <a:blip r:embed="rId8"/>
+          <a:stretch>
+            <a:fillRect/>
+          </a:stretch>
+        </p:blipFill>
+        <p:spPr>
+          <a:xfrm>
+            <a:off x="3510928" y="599879"/>
+            <a:ext cx="2021140" cy="2021140"/>
+          </a:xfrm>
+          <a:prstGeom prst="rect">
+            <a:avLst/>
+          </a:prstGeom>
+        </p:spPr>
+      </p:pic>
+      <p:pic>
+        <p:nvPicPr>
+          <p:cNvPr id="29" name="Picture 28">
+            <a:extLst>
+              <a:ext uri="{FF2B5EF4-FFF2-40B4-BE49-F238E27FC236}">
+                <a16:creationId xmlns:a16="http://schemas.microsoft.com/office/drawing/2014/main" id="{34FC12EE-D64F-5D47-F1E5-753723441BFA}"/>
+              </a:ext>
+            </a:extLst>
+          </p:cNvPr>
+          <p:cNvPicPr>
+            <a:picLocks noChangeAspect="1"/>
+          </p:cNvPicPr>
+          <p:nvPr/>
+        </p:nvPicPr>
+        <p:blipFill>
+          <a:blip r:embed="rId9"/>
+          <a:stretch>
+            <a:fillRect/>
+          </a:stretch>
+        </p:blipFill>
+        <p:spPr>
+          <a:xfrm>
+            <a:off x="1489788" y="599879"/>
+            <a:ext cx="2021140" cy="2021140"/>
+          </a:xfrm>
+          <a:prstGeom prst="rect">
+            <a:avLst/>
+          </a:prstGeom>
+        </p:spPr>
+      </p:pic>
+      <p:pic>
+        <p:nvPicPr>
+          <p:cNvPr id="31" name="Picture 30">
+            <a:extLst>
+              <a:ext uri="{FF2B5EF4-FFF2-40B4-BE49-F238E27FC236}">
+                <a16:creationId xmlns:a16="http://schemas.microsoft.com/office/drawing/2014/main" id="{8456B64B-7972-4D02-6E73-853AEDB6371F}"/>
+              </a:ext>
+            </a:extLst>
+          </p:cNvPr>
+          <p:cNvPicPr>
+            <a:picLocks noChangeAspect="1"/>
+          </p:cNvPicPr>
+          <p:nvPr/>
+        </p:nvPicPr>
+        <p:blipFill>
+          <a:blip r:embed="rId10"/>
+          <a:stretch>
+            <a:fillRect/>
+          </a:stretch>
+        </p:blipFill>
+        <p:spPr>
+          <a:xfrm>
+            <a:off x="1489789" y="4705906"/>
+            <a:ext cx="2021140" cy="2021140"/>
+          </a:xfrm>
+          <a:prstGeom prst="rect">
+            <a:avLst/>
+          </a:prstGeom>
+        </p:spPr>
+      </p:pic>
+      <p:sp>
+        <p:nvSpPr>
+          <p:cNvPr id="32" name="TextBox 31">
+            <a:extLst>
+              <a:ext uri="{FF2B5EF4-FFF2-40B4-BE49-F238E27FC236}">
+                <a16:creationId xmlns:a16="http://schemas.microsoft.com/office/drawing/2014/main" id="{55A08D5E-6981-146C-B818-C6CC53D278E1}"/>
+              </a:ext>
+            </a:extLst>
+          </p:cNvPr>
+          <p:cNvSpPr txBox="1"/>
+          <p:nvPr/>
+        </p:nvSpPr>
+        <p:spPr>
+          <a:xfrm>
+            <a:off x="411026" y="1303768"/>
+            <a:ext cx="963980" cy="338554"/>
+          </a:xfrm>
+          <a:prstGeom prst="rect">
+            <a:avLst/>
+          </a:prstGeom>
+          <a:noFill/>
+        </p:spPr>
+        <p:txBody>
+          <a:bodyPr wrap="square" rtlCol="0">
+            <a:spAutoFit/>
+          </a:bodyPr>
+          <a:lstStyle/>
+          <a:p>
+            <a:pPr algn="ctr"/>
+            <a:r>
+              <a:rPr lang="en-US" sz="1600" dirty="0">
+                <a:latin typeface="+mj-lt"/>
+                <a:cs typeface="Times New Roman" panose="02020603050405020304" pitchFamily="18" charset="0"/>
+              </a:rPr>
+              <a:t>Trial 1</a:t>
+            </a:r>
+          </a:p>
+        </p:txBody>
+      </p:sp>
+      <p:sp>
+        <p:nvSpPr>
+          <p:cNvPr id="33" name="TextBox 32">
+            <a:extLst>
+              <a:ext uri="{FF2B5EF4-FFF2-40B4-BE49-F238E27FC236}">
+                <a16:creationId xmlns:a16="http://schemas.microsoft.com/office/drawing/2014/main" id="{D6F01AED-F85E-C31D-FEE2-13F0E87CAD5B}"/>
+              </a:ext>
+            </a:extLst>
+          </p:cNvPr>
+          <p:cNvSpPr txBox="1"/>
+          <p:nvPr/>
+        </p:nvSpPr>
+        <p:spPr>
+          <a:xfrm>
+            <a:off x="411026" y="3324908"/>
+            <a:ext cx="963980" cy="338554"/>
+          </a:xfrm>
+          <a:prstGeom prst="rect">
+            <a:avLst/>
+          </a:prstGeom>
+          <a:noFill/>
+        </p:spPr>
+        <p:txBody>
+          <a:bodyPr wrap="square" rtlCol="0">
+            <a:spAutoFit/>
+          </a:bodyPr>
+          <a:lstStyle/>
+          <a:p>
+            <a:pPr algn="ctr"/>
+            <a:r>
+              <a:rPr lang="en-US" sz="1600" dirty="0">
+                <a:latin typeface="+mj-lt"/>
+                <a:cs typeface="Times New Roman" panose="02020603050405020304" pitchFamily="18" charset="0"/>
+              </a:rPr>
+              <a:t>Trial 2</a:t>
+            </a:r>
+          </a:p>
+        </p:txBody>
+      </p:sp>
+      <p:sp>
+        <p:nvSpPr>
+          <p:cNvPr id="34" name="TextBox 33">
+            <a:extLst>
+              <a:ext uri="{FF2B5EF4-FFF2-40B4-BE49-F238E27FC236}">
+                <a16:creationId xmlns:a16="http://schemas.microsoft.com/office/drawing/2014/main" id="{D34CD8AA-16DD-0318-8694-1357E579ACE0}"/>
+              </a:ext>
+            </a:extLst>
+          </p:cNvPr>
+          <p:cNvSpPr txBox="1"/>
+          <p:nvPr/>
+        </p:nvSpPr>
+        <p:spPr>
+          <a:xfrm>
+            <a:off x="411026" y="5547199"/>
+            <a:ext cx="963980" cy="338554"/>
+          </a:xfrm>
+          <a:prstGeom prst="rect">
+            <a:avLst/>
+          </a:prstGeom>
+          <a:noFill/>
+        </p:spPr>
+        <p:txBody>
+          <a:bodyPr wrap="square" rtlCol="0">
+            <a:spAutoFit/>
+          </a:bodyPr>
+          <a:lstStyle/>
+          <a:p>
+            <a:pPr algn="ctr"/>
+            <a:r>
+              <a:rPr lang="en-US" sz="1600" dirty="0">
+                <a:latin typeface="+mj-lt"/>
+                <a:cs typeface="Times New Roman" panose="02020603050405020304" pitchFamily="18" charset="0"/>
+              </a:rPr>
+              <a:t>Trial 3</a:t>
+            </a:r>
+          </a:p>
+        </p:txBody>
+      </p:sp>
+      <p:sp>
+        <p:nvSpPr>
+          <p:cNvPr id="35" name="TextBox 34">
+            <a:extLst>
+              <a:ext uri="{FF2B5EF4-FFF2-40B4-BE49-F238E27FC236}">
+                <a16:creationId xmlns:a16="http://schemas.microsoft.com/office/drawing/2014/main" id="{F716F906-8287-9BB2-825D-342D93BC06BC}"/>
+              </a:ext>
+            </a:extLst>
+          </p:cNvPr>
+          <p:cNvSpPr txBox="1"/>
+          <p:nvPr/>
+        </p:nvSpPr>
+        <p:spPr>
+          <a:xfrm>
+            <a:off x="2018368" y="229451"/>
+            <a:ext cx="963980" cy="338554"/>
+          </a:xfrm>
+          <a:prstGeom prst="rect">
+            <a:avLst/>
+          </a:prstGeom>
+          <a:noFill/>
+        </p:spPr>
+        <p:txBody>
+          <a:bodyPr wrap="square" rtlCol="0">
+            <a:spAutoFit/>
+          </a:bodyPr>
+          <a:lstStyle/>
+          <a:p>
+            <a:pPr algn="ctr"/>
+            <a:r>
+              <a:rPr lang="en-US" sz="1600" dirty="0">
+                <a:latin typeface="+mj-lt"/>
+                <a:cs typeface="Times New Roman" panose="02020603050405020304" pitchFamily="18" charset="0"/>
+              </a:rPr>
+              <a:t>COPD 1</a:t>
+            </a:r>
+          </a:p>
+        </p:txBody>
+      </p:sp>
+      <p:sp>
+        <p:nvSpPr>
+          <p:cNvPr id="36" name="TextBox 35">
+            <a:extLst>
+              <a:ext uri="{FF2B5EF4-FFF2-40B4-BE49-F238E27FC236}">
+                <a16:creationId xmlns:a16="http://schemas.microsoft.com/office/drawing/2014/main" id="{4755AF3A-B611-132B-1521-5E13082A3C7C}"/>
+              </a:ext>
+            </a:extLst>
+          </p:cNvPr>
+          <p:cNvSpPr txBox="1"/>
+          <p:nvPr/>
+        </p:nvSpPr>
+        <p:spPr>
+          <a:xfrm>
+            <a:off x="4039507" y="229451"/>
+            <a:ext cx="963980" cy="338554"/>
+          </a:xfrm>
+          <a:prstGeom prst="rect">
+            <a:avLst/>
+          </a:prstGeom>
+          <a:noFill/>
+        </p:spPr>
+        <p:txBody>
+          <a:bodyPr wrap="square" rtlCol="0">
+            <a:spAutoFit/>
+          </a:bodyPr>
+          <a:lstStyle/>
+          <a:p>
+            <a:pPr algn="ctr"/>
+            <a:r>
+              <a:rPr lang="en-US" sz="1600" dirty="0">
+                <a:latin typeface="+mj-lt"/>
+                <a:cs typeface="Times New Roman" panose="02020603050405020304" pitchFamily="18" charset="0"/>
+              </a:rPr>
+              <a:t>COPD 2</a:t>
+            </a:r>
+          </a:p>
+        </p:txBody>
+      </p:sp>
+      <p:sp>
+        <p:nvSpPr>
+          <p:cNvPr id="37" name="TextBox 36">
+            <a:extLst>
+              <a:ext uri="{FF2B5EF4-FFF2-40B4-BE49-F238E27FC236}">
+                <a16:creationId xmlns:a16="http://schemas.microsoft.com/office/drawing/2014/main" id="{12E31BA0-B3FE-F731-6642-642A07AF082A}"/>
+              </a:ext>
+            </a:extLst>
+          </p:cNvPr>
+          <p:cNvSpPr txBox="1"/>
+          <p:nvPr/>
+        </p:nvSpPr>
+        <p:spPr>
+          <a:xfrm>
+            <a:off x="6060648" y="229451"/>
+            <a:ext cx="963980" cy="338554"/>
+          </a:xfrm>
+          <a:prstGeom prst="rect">
+            <a:avLst/>
+          </a:prstGeom>
+          <a:noFill/>
+        </p:spPr>
+        <p:txBody>
+          <a:bodyPr wrap="square" rtlCol="0">
+            <a:spAutoFit/>
+          </a:bodyPr>
+          <a:lstStyle/>
+          <a:p>
+            <a:pPr algn="ctr"/>
+            <a:r>
+              <a:rPr lang="en-US" sz="1600" dirty="0">
+                <a:latin typeface="+mj-lt"/>
+                <a:cs typeface="Times New Roman" panose="02020603050405020304" pitchFamily="18" charset="0"/>
+              </a:rPr>
+              <a:t>COPD 3</a:t>
+            </a:r>
+          </a:p>
+        </p:txBody>
+      </p:sp>
+      <p:sp>
+        <p:nvSpPr>
+          <p:cNvPr id="38" name="TextBox 37">
+            <a:extLst>
+              <a:ext uri="{FF2B5EF4-FFF2-40B4-BE49-F238E27FC236}">
+                <a16:creationId xmlns:a16="http://schemas.microsoft.com/office/drawing/2014/main" id="{380EDD4F-23BE-412F-51B4-73D28045E61F}"/>
+              </a:ext>
+            </a:extLst>
+          </p:cNvPr>
+          <p:cNvSpPr txBox="1"/>
+          <p:nvPr/>
+        </p:nvSpPr>
+        <p:spPr>
+          <a:xfrm>
+            <a:off x="8081788" y="229451"/>
+            <a:ext cx="963980" cy="338554"/>
+          </a:xfrm>
+          <a:prstGeom prst="rect">
+            <a:avLst/>
+          </a:prstGeom>
+          <a:noFill/>
+        </p:spPr>
+        <p:txBody>
+          <a:bodyPr wrap="square" rtlCol="0">
+            <a:spAutoFit/>
+          </a:bodyPr>
+          <a:lstStyle/>
+          <a:p>
+            <a:pPr algn="ctr"/>
+            <a:r>
+              <a:rPr lang="en-US" sz="1600" dirty="0">
+                <a:latin typeface="+mj-lt"/>
+                <a:cs typeface="Times New Roman" panose="02020603050405020304" pitchFamily="18" charset="0"/>
+              </a:rPr>
+              <a:t>COPD 4</a:t>
+            </a:r>
+          </a:p>
+        </p:txBody>
+      </p:sp>
+      <p:pic>
+        <p:nvPicPr>
+          <p:cNvPr id="40" name="Picture 39">
+            <a:extLst>
+              <a:ext uri="{FF2B5EF4-FFF2-40B4-BE49-F238E27FC236}">
+                <a16:creationId xmlns:a16="http://schemas.microsoft.com/office/drawing/2014/main" id="{ABDA6086-D187-3F33-206B-808A5E888FC9}"/>
+              </a:ext>
+            </a:extLst>
+          </p:cNvPr>
+          <p:cNvPicPr>
+            <a:picLocks noChangeAspect="1"/>
+          </p:cNvPicPr>
+          <p:nvPr/>
+        </p:nvPicPr>
+        <p:blipFill>
+          <a:blip r:embed="rId11"/>
+          <a:stretch>
+            <a:fillRect/>
+          </a:stretch>
+        </p:blipFill>
+        <p:spPr>
+          <a:xfrm>
+            <a:off x="3510929" y="4705905"/>
+            <a:ext cx="2021139" cy="2021139"/>
+          </a:xfrm>
+          <a:prstGeom prst="rect">
+            <a:avLst/>
+          </a:prstGeom>
+        </p:spPr>
+      </p:pic>
+      <p:pic>
+        <p:nvPicPr>
+          <p:cNvPr id="42" name="Picture 41">
+            <a:extLst>
+              <a:ext uri="{FF2B5EF4-FFF2-40B4-BE49-F238E27FC236}">
+                <a16:creationId xmlns:a16="http://schemas.microsoft.com/office/drawing/2014/main" id="{FC31BC03-0094-061D-5B6B-21AE12DF146A}"/>
+              </a:ext>
+            </a:extLst>
+          </p:cNvPr>
+          <p:cNvPicPr>
+            <a:picLocks noChangeAspect="1"/>
+          </p:cNvPicPr>
+          <p:nvPr/>
+        </p:nvPicPr>
+        <p:blipFill>
+          <a:blip r:embed="rId12"/>
+          <a:stretch>
+            <a:fillRect/>
+          </a:stretch>
+        </p:blipFill>
+        <p:spPr>
+          <a:xfrm>
+            <a:off x="5561146" y="4705905"/>
+            <a:ext cx="1992062" cy="1992062"/>
+          </a:xfrm>
+          <a:prstGeom prst="rect">
+            <a:avLst/>
+          </a:prstGeom>
+        </p:spPr>
+      </p:pic>
+      <p:pic>
+        <p:nvPicPr>
+          <p:cNvPr id="44" name="Picture 43">
+            <a:extLst>
+              <a:ext uri="{FF2B5EF4-FFF2-40B4-BE49-F238E27FC236}">
+                <a16:creationId xmlns:a16="http://schemas.microsoft.com/office/drawing/2014/main" id="{0EC708D8-D7F1-2AB0-069A-909E96F8820C}"/>
+              </a:ext>
+            </a:extLst>
+          </p:cNvPr>
+          <p:cNvPicPr>
+            <a:picLocks noChangeAspect="1"/>
+          </p:cNvPicPr>
+          <p:nvPr/>
+        </p:nvPicPr>
+        <p:blipFill>
+          <a:blip r:embed="rId13"/>
+          <a:stretch>
+            <a:fillRect/>
+          </a:stretch>
+        </p:blipFill>
+        <p:spPr>
+          <a:xfrm>
+            <a:off x="7582286" y="4703110"/>
+            <a:ext cx="1992062" cy="1992062"/>
+          </a:xfrm>
+          <a:prstGeom prst="rect">
+            <a:avLst/>
+          </a:prstGeom>
+        </p:spPr>
+      </p:pic>
+    </p:spTree>
+    <p:extLst>
+      <p:ext uri="{BB962C8B-B14F-4D97-AF65-F5344CB8AC3E}">
+        <p14:creationId xmlns:p14="http://schemas.microsoft.com/office/powerpoint/2010/main" val="2447010778"/>
+      </p:ext>
+    </p:extLst>
+  </p:cSld>
+  <p:clrMapOvr>
+    <a:masterClrMapping/>
+  </p:clrMapOvr>
+</p:sld>
+</file>
+
+<file path=ppt/slides/slide6.xml><?xml version="1.0" encoding="utf-8"?>
+<p:sld xmlns:a="http://schemas.openxmlformats.org/drawingml/2006/main" xmlns:r="http://schemas.openxmlformats.org/officeDocument/2006/relationships" xmlns:p="http://schemas.openxmlformats.org/presentationml/2006/main">
+  <p:cSld>
+    <p:spTree>
+      <p:nvGrpSpPr>
+        <p:cNvPr id="1" name=""/>
+        <p:cNvGrpSpPr/>
+        <p:nvPr/>
+      </p:nvGrpSpPr>
+      <p:grpSpPr>
+        <a:xfrm>
+          <a:off x="0" y="0"/>
+          <a:ext cx="0" cy="0"/>
+          <a:chOff x="0" y="0"/>
+          <a:chExt cx="0" cy="0"/>
+        </a:xfrm>
+      </p:grpSpPr>
+      <p:pic>
+        <p:nvPicPr>
+          <p:cNvPr id="5" name="Picture 4" descr="A graph with numbers and lines&#10;&#10;Description automatically generated">
+            <a:extLst>
+              <a:ext uri="{FF2B5EF4-FFF2-40B4-BE49-F238E27FC236}">
+                <a16:creationId xmlns:a16="http://schemas.microsoft.com/office/drawing/2014/main" id="{65AACFB7-16EE-64B0-3A92-9EEEE558E7A6}"/>
+              </a:ext>
+            </a:extLst>
+          </p:cNvPr>
+          <p:cNvPicPr>
+            <a:picLocks noChangeAspect="1"/>
+          </p:cNvPicPr>
+          <p:nvPr/>
+        </p:nvPicPr>
+        <p:blipFill>
+          <a:blip r:embed="rId2">
+            <a:extLst>
+              <a:ext uri="{28A0092B-C50C-407E-A947-70E740481C1C}">
+                <a14:useLocalDpi xmlns:a14="http://schemas.microsoft.com/office/drawing/2010/main" val="0"/>
+              </a:ext>
+            </a:extLst>
+          </a:blip>
+          <a:stretch>
+            <a:fillRect/>
+          </a:stretch>
+        </p:blipFill>
+        <p:spPr>
+          <a:xfrm>
+            <a:off x="0" y="0"/>
+            <a:ext cx="4111692" cy="5535261"/>
+          </a:xfrm>
+          <a:prstGeom prst="rect">
+            <a:avLst/>
+          </a:prstGeom>
+        </p:spPr>
+      </p:pic>
+      <p:pic>
+        <p:nvPicPr>
+          <p:cNvPr id="7" name="Picture 6" descr="A graph with numbers and lines&#10;&#10;Description automatically generated">
+            <a:extLst>
+              <a:ext uri="{FF2B5EF4-FFF2-40B4-BE49-F238E27FC236}">
+                <a16:creationId xmlns:a16="http://schemas.microsoft.com/office/drawing/2014/main" id="{0CED4841-5986-2289-383E-2F27EDCCCCF8}"/>
+              </a:ext>
+            </a:extLst>
+          </p:cNvPr>
+          <p:cNvPicPr>
+            <a:picLocks noChangeAspect="1"/>
+          </p:cNvPicPr>
+          <p:nvPr/>
+        </p:nvPicPr>
+        <p:blipFill>
+          <a:blip r:embed="rId3">
+            <a:extLst>
+              <a:ext uri="{28A0092B-C50C-407E-A947-70E740481C1C}">
+                <a14:useLocalDpi xmlns:a14="http://schemas.microsoft.com/office/drawing/2010/main" val="0"/>
+              </a:ext>
+            </a:extLst>
+          </a:blip>
+          <a:stretch>
+            <a:fillRect/>
+          </a:stretch>
+        </p:blipFill>
+        <p:spPr>
+          <a:xfrm>
+            <a:off x="3968616" y="0"/>
+            <a:ext cx="4111692" cy="5535261"/>
+          </a:xfrm>
+          <a:prstGeom prst="rect">
+            <a:avLst/>
+          </a:prstGeom>
+        </p:spPr>
+      </p:pic>
+      <p:pic>
+        <p:nvPicPr>
+          <p:cNvPr id="9" name="Picture 8" descr="A graph with numbers and lines&#10;&#10;Description automatically generated">
+            <a:extLst>
+              <a:ext uri="{FF2B5EF4-FFF2-40B4-BE49-F238E27FC236}">
+                <a16:creationId xmlns:a16="http://schemas.microsoft.com/office/drawing/2014/main" id="{0DD8E200-8360-8D49-8E11-1DACC36C3B9D}"/>
+              </a:ext>
+            </a:extLst>
+          </p:cNvPr>
+          <p:cNvPicPr>
+            <a:picLocks noChangeAspect="1"/>
+          </p:cNvPicPr>
+          <p:nvPr/>
+        </p:nvPicPr>
+        <p:blipFill>
+          <a:blip r:embed="rId4">
+            <a:extLst>
+              <a:ext uri="{28A0092B-C50C-407E-A947-70E740481C1C}">
+                <a14:useLocalDpi xmlns:a14="http://schemas.microsoft.com/office/drawing/2010/main" val="0"/>
+              </a:ext>
+            </a:extLst>
+          </a:blip>
+          <a:stretch>
+            <a:fillRect/>
+          </a:stretch>
+        </p:blipFill>
+        <p:spPr>
+          <a:xfrm>
+            <a:off x="8080308" y="0"/>
+            <a:ext cx="4111692" cy="5535261"/>
+          </a:xfrm>
+          <a:prstGeom prst="rect">
+            <a:avLst/>
+          </a:prstGeom>
+        </p:spPr>
+      </p:pic>
+    </p:spTree>
+    <p:extLst>
+      <p:ext uri="{BB962C8B-B14F-4D97-AF65-F5344CB8AC3E}">
+        <p14:creationId xmlns:p14="http://schemas.microsoft.com/office/powerpoint/2010/main" val="738589197"/>
+      </p:ext>
+    </p:extLst>
+  </p:cSld>
+  <p:clrMapOvr>
+    <a:masterClrMapping/>
+  </p:clrMapOvr>
+</p:sld>
+</file>
+
 <file path=ppt/theme/theme1.xml><?xml version="1.0" encoding="utf-8"?>
 <a:theme xmlns:a="http://schemas.openxmlformats.org/drawingml/2006/main" name="Office Theme">
   <a:themeElements>

--- a/Figures/Figures.pptx
+++ b/Figures/Figures.pptx
@@ -11,6 +11,7 @@
     <p:sldId id="259" r:id="rId5"/>
     <p:sldId id="260" r:id="rId6"/>
     <p:sldId id="261" r:id="rId7"/>
+    <p:sldId id="262" r:id="rId8"/>
   </p:sldIdLst>
   <p:sldSz cx="12192000" cy="6858000"/>
   <p:notesSz cx="6858000" cy="9144000"/>
@@ -264,7 +265,7 @@
           <a:p>
             <a:fld id="{5FD76617-C15C-47C7-A635-A3CC72DFB9FA}" type="datetimeFigureOut">
               <a:rPr lang="en-US" smtClean="0"/>
-              <a:t>12/30/2023</a:t>
+              <a:t>12/31/2023</a:t>
             </a:fld>
             <a:endParaRPr lang="en-US"/>
           </a:p>
@@ -462,7 +463,7 @@
           <a:p>
             <a:fld id="{5FD76617-C15C-47C7-A635-A3CC72DFB9FA}" type="datetimeFigureOut">
               <a:rPr lang="en-US" smtClean="0"/>
-              <a:t>12/30/2023</a:t>
+              <a:t>12/31/2023</a:t>
             </a:fld>
             <a:endParaRPr lang="en-US"/>
           </a:p>
@@ -670,7 +671,7 @@
           <a:p>
             <a:fld id="{5FD76617-C15C-47C7-A635-A3CC72DFB9FA}" type="datetimeFigureOut">
               <a:rPr lang="en-US" smtClean="0"/>
-              <a:t>12/30/2023</a:t>
+              <a:t>12/31/2023</a:t>
             </a:fld>
             <a:endParaRPr lang="en-US"/>
           </a:p>
@@ -868,7 +869,7 @@
           <a:p>
             <a:fld id="{5FD76617-C15C-47C7-A635-A3CC72DFB9FA}" type="datetimeFigureOut">
               <a:rPr lang="en-US" smtClean="0"/>
-              <a:t>12/30/2023</a:t>
+              <a:t>12/31/2023</a:t>
             </a:fld>
             <a:endParaRPr lang="en-US"/>
           </a:p>
@@ -1143,7 +1144,7 @@
           <a:p>
             <a:fld id="{5FD76617-C15C-47C7-A635-A3CC72DFB9FA}" type="datetimeFigureOut">
               <a:rPr lang="en-US" smtClean="0"/>
-              <a:t>12/30/2023</a:t>
+              <a:t>12/31/2023</a:t>
             </a:fld>
             <a:endParaRPr lang="en-US"/>
           </a:p>
@@ -1408,7 +1409,7 @@
           <a:p>
             <a:fld id="{5FD76617-C15C-47C7-A635-A3CC72DFB9FA}" type="datetimeFigureOut">
               <a:rPr lang="en-US" smtClean="0"/>
-              <a:t>12/30/2023</a:t>
+              <a:t>12/31/2023</a:t>
             </a:fld>
             <a:endParaRPr lang="en-US"/>
           </a:p>
@@ -1820,7 +1821,7 @@
           <a:p>
             <a:fld id="{5FD76617-C15C-47C7-A635-A3CC72DFB9FA}" type="datetimeFigureOut">
               <a:rPr lang="en-US" smtClean="0"/>
-              <a:t>12/30/2023</a:t>
+              <a:t>12/31/2023</a:t>
             </a:fld>
             <a:endParaRPr lang="en-US"/>
           </a:p>
@@ -1961,7 +1962,7 @@
           <a:p>
             <a:fld id="{5FD76617-C15C-47C7-A635-A3CC72DFB9FA}" type="datetimeFigureOut">
               <a:rPr lang="en-US" smtClean="0"/>
-              <a:t>12/30/2023</a:t>
+              <a:t>12/31/2023</a:t>
             </a:fld>
             <a:endParaRPr lang="en-US"/>
           </a:p>
@@ -2074,7 +2075,7 @@
           <a:p>
             <a:fld id="{5FD76617-C15C-47C7-A635-A3CC72DFB9FA}" type="datetimeFigureOut">
               <a:rPr lang="en-US" smtClean="0"/>
-              <a:t>12/30/2023</a:t>
+              <a:t>12/31/2023</a:t>
             </a:fld>
             <a:endParaRPr lang="en-US"/>
           </a:p>
@@ -2385,7 +2386,7 @@
           <a:p>
             <a:fld id="{5FD76617-C15C-47C7-A635-A3CC72DFB9FA}" type="datetimeFigureOut">
               <a:rPr lang="en-US" smtClean="0"/>
-              <a:t>12/30/2023</a:t>
+              <a:t>12/31/2023</a:t>
             </a:fld>
             <a:endParaRPr lang="en-US"/>
           </a:p>
@@ -2673,7 +2674,7 @@
           <a:p>
             <a:fld id="{5FD76617-C15C-47C7-A635-A3CC72DFB9FA}" type="datetimeFigureOut">
               <a:rPr lang="en-US" smtClean="0"/>
-              <a:t>12/30/2023</a:t>
+              <a:t>12/31/2023</a:t>
             </a:fld>
             <a:endParaRPr lang="en-US"/>
           </a:p>
@@ -2914,7 +2915,7 @@
           <a:p>
             <a:fld id="{5FD76617-C15C-47C7-A635-A3CC72DFB9FA}" type="datetimeFigureOut">
               <a:rPr lang="en-US" smtClean="0"/>
-              <a:t>12/30/2023</a:t>
+              <a:t>12/31/2023</a:t>
             </a:fld>
             <a:endParaRPr lang="en-US"/>
           </a:p>
@@ -5449,7 +5450,7 @@
         </p:blipFill>
         <p:spPr>
           <a:xfrm>
-            <a:off x="0" y="0"/>
+            <a:off x="-13960" y="0"/>
             <a:ext cx="4111692" cy="5535261"/>
           </a:xfrm>
           <a:prstGeom prst="rect">
@@ -5485,7 +5486,7 @@
         </p:blipFill>
         <p:spPr>
           <a:xfrm>
-            <a:off x="3968616" y="0"/>
+            <a:off x="4052376" y="0"/>
             <a:ext cx="4111692" cy="5535261"/>
           </a:xfrm>
           <a:prstGeom prst="rect">
@@ -5521,7 +5522,7 @@
         </p:blipFill>
         <p:spPr>
           <a:xfrm>
-            <a:off x="8080308" y="0"/>
+            <a:off x="8129168" y="0"/>
             <a:ext cx="4111692" cy="5535261"/>
           </a:xfrm>
           <a:prstGeom prst="rect">
@@ -5533,6 +5534,126 @@
     <p:extLst>
       <p:ext uri="{BB962C8B-B14F-4D97-AF65-F5344CB8AC3E}">
         <p14:creationId xmlns:p14="http://schemas.microsoft.com/office/powerpoint/2010/main" val="738589197"/>
+      </p:ext>
+    </p:extLst>
+  </p:cSld>
+  <p:clrMapOvr>
+    <a:masterClrMapping/>
+  </p:clrMapOvr>
+</p:sld>
+</file>
+
+<file path=ppt/slides/slide7.xml><?xml version="1.0" encoding="utf-8"?>
+<p:sld xmlns:a="http://schemas.openxmlformats.org/drawingml/2006/main" xmlns:r="http://schemas.openxmlformats.org/officeDocument/2006/relationships" xmlns:p="http://schemas.openxmlformats.org/presentationml/2006/main">
+  <p:cSld>
+    <p:spTree>
+      <p:nvGrpSpPr>
+        <p:cNvPr id="1" name=""/>
+        <p:cNvGrpSpPr/>
+        <p:nvPr/>
+      </p:nvGrpSpPr>
+      <p:grpSpPr>
+        <a:xfrm>
+          <a:off x="0" y="0"/>
+          <a:ext cx="0" cy="0"/>
+          <a:chOff x="0" y="0"/>
+          <a:chExt cx="0" cy="0"/>
+        </a:xfrm>
+      </p:grpSpPr>
+      <p:pic>
+        <p:nvPicPr>
+          <p:cNvPr id="14" name="Picture 13">
+            <a:extLst>
+              <a:ext uri="{FF2B5EF4-FFF2-40B4-BE49-F238E27FC236}">
+                <a16:creationId xmlns:a16="http://schemas.microsoft.com/office/drawing/2014/main" id="{2B79AD8C-1108-2A13-B52A-D44182746AAE}"/>
+              </a:ext>
+            </a:extLst>
+          </p:cNvPr>
+          <p:cNvPicPr>
+            <a:picLocks noChangeAspect="1"/>
+          </p:cNvPicPr>
+          <p:nvPr/>
+        </p:nvPicPr>
+        <p:blipFill>
+          <a:blip r:embed="rId2"/>
+          <a:stretch>
+            <a:fillRect/>
+          </a:stretch>
+        </p:blipFill>
+        <p:spPr>
+          <a:xfrm>
+            <a:off x="0" y="1"/>
+            <a:ext cx="4092635" cy="5667884"/>
+          </a:xfrm>
+          <a:prstGeom prst="rect">
+            <a:avLst/>
+          </a:prstGeom>
+        </p:spPr>
+      </p:pic>
+      <p:pic>
+        <p:nvPicPr>
+          <p:cNvPr id="16" name="Picture 15">
+            <a:extLst>
+              <a:ext uri="{FF2B5EF4-FFF2-40B4-BE49-F238E27FC236}">
+                <a16:creationId xmlns:a16="http://schemas.microsoft.com/office/drawing/2014/main" id="{E4D9D46E-908B-1047-1A27-F1B2343009EB}"/>
+              </a:ext>
+            </a:extLst>
+          </p:cNvPr>
+          <p:cNvPicPr>
+            <a:picLocks noChangeAspect="1"/>
+          </p:cNvPicPr>
+          <p:nvPr/>
+        </p:nvPicPr>
+        <p:blipFill>
+          <a:blip r:embed="rId3"/>
+          <a:stretch>
+            <a:fillRect/>
+          </a:stretch>
+        </p:blipFill>
+        <p:spPr>
+          <a:xfrm>
+            <a:off x="4049682" y="0"/>
+            <a:ext cx="4092635" cy="5667884"/>
+          </a:xfrm>
+          <a:prstGeom prst="rect">
+            <a:avLst/>
+          </a:prstGeom>
+        </p:spPr>
+      </p:pic>
+      <p:pic>
+        <p:nvPicPr>
+          <p:cNvPr id="18" name="Picture 17">
+            <a:extLst>
+              <a:ext uri="{FF2B5EF4-FFF2-40B4-BE49-F238E27FC236}">
+                <a16:creationId xmlns:a16="http://schemas.microsoft.com/office/drawing/2014/main" id="{615F5341-7D28-53CF-5097-E71E3DD58B75}"/>
+              </a:ext>
+            </a:extLst>
+          </p:cNvPr>
+          <p:cNvPicPr>
+            <a:picLocks noChangeAspect="1"/>
+          </p:cNvPicPr>
+          <p:nvPr/>
+        </p:nvPicPr>
+        <p:blipFill>
+          <a:blip r:embed="rId4"/>
+          <a:stretch>
+            <a:fillRect/>
+          </a:stretch>
+        </p:blipFill>
+        <p:spPr>
+          <a:xfrm>
+            <a:off x="8099365" y="0"/>
+            <a:ext cx="4092635" cy="5667884"/>
+          </a:xfrm>
+          <a:prstGeom prst="rect">
+            <a:avLst/>
+          </a:prstGeom>
+        </p:spPr>
+      </p:pic>
+    </p:spTree>
+    <p:extLst>
+      <p:ext uri="{BB962C8B-B14F-4D97-AF65-F5344CB8AC3E}">
+        <p14:creationId xmlns:p14="http://schemas.microsoft.com/office/powerpoint/2010/main" val="629024400"/>
       </p:ext>
     </p:extLst>
   </p:cSld>

--- a/Figures/Figures.pptx
+++ b/Figures/Figures.pptx
@@ -4901,7 +4901,7 @@
         </p:blipFill>
         <p:spPr>
           <a:xfrm>
-            <a:off x="7553208" y="631752"/>
+            <a:off x="7553208" y="599878"/>
             <a:ext cx="2021140" cy="2021140"/>
           </a:xfrm>
           <a:prstGeom prst="rect">
@@ -4931,7 +4931,7 @@
         </p:blipFill>
         <p:spPr>
           <a:xfrm>
-            <a:off x="5532068" y="631752"/>
+            <a:off x="5532067" y="599877"/>
             <a:ext cx="2021141" cy="2021141"/>
           </a:xfrm>
           <a:prstGeom prst="rect">
@@ -5354,8 +5354,8 @@
         </p:blipFill>
         <p:spPr>
           <a:xfrm>
-            <a:off x="5561146" y="4705905"/>
-            <a:ext cx="1992062" cy="1992062"/>
+            <a:off x="5532067" y="4703110"/>
+            <a:ext cx="2021138" cy="2021138"/>
           </a:xfrm>
           <a:prstGeom prst="rect">
             <a:avLst/>
@@ -5384,8 +5384,8 @@
         </p:blipFill>
         <p:spPr>
           <a:xfrm>
-            <a:off x="7582286" y="4703110"/>
-            <a:ext cx="1992062" cy="1992062"/>
+            <a:off x="7553205" y="4700314"/>
+            <a:ext cx="2021138" cy="2021138"/>
           </a:xfrm>
           <a:prstGeom prst="rect">
             <a:avLst/>

--- a/Figures/Figures.pptx
+++ b/Figures/Figures.pptx
@@ -10,8 +10,9 @@
     <p:sldId id="258" r:id="rId4"/>
     <p:sldId id="259" r:id="rId5"/>
     <p:sldId id="260" r:id="rId6"/>
-    <p:sldId id="261" r:id="rId7"/>
-    <p:sldId id="262" r:id="rId8"/>
+    <p:sldId id="263" r:id="rId7"/>
+    <p:sldId id="261" r:id="rId8"/>
+    <p:sldId id="262" r:id="rId9"/>
   </p:sldIdLst>
   <p:sldSz cx="12192000" cy="6858000"/>
   <p:notesSz cx="6858000" cy="9144000"/>
@@ -5424,6 +5425,152 @@
       </p:grpSpPr>
       <p:pic>
         <p:nvPicPr>
+          <p:cNvPr id="31" name="Picture 30">
+            <a:extLst>
+              <a:ext uri="{FF2B5EF4-FFF2-40B4-BE49-F238E27FC236}">
+                <a16:creationId xmlns:a16="http://schemas.microsoft.com/office/drawing/2014/main" id="{8456B64B-7972-4D02-6E73-853AEDB6371F}"/>
+              </a:ext>
+            </a:extLst>
+          </p:cNvPr>
+          <p:cNvPicPr>
+            <a:picLocks noChangeAspect="1"/>
+          </p:cNvPicPr>
+          <p:nvPr/>
+        </p:nvPicPr>
+        <p:blipFill rotWithShape="1">
+          <a:blip r:embed="rId2"/>
+          <a:srcRect l="1548" t="1484" r="1685" b="1435"/>
+          <a:stretch/>
+        </p:blipFill>
+        <p:spPr>
+          <a:xfrm>
+            <a:off x="1790700" y="2168526"/>
+            <a:ext cx="1955800" cy="1962150"/>
+          </a:xfrm>
+          <a:prstGeom prst="rect">
+            <a:avLst/>
+          </a:prstGeom>
+        </p:spPr>
+      </p:pic>
+      <p:pic>
+        <p:nvPicPr>
+          <p:cNvPr id="42" name="Picture 41">
+            <a:extLst>
+              <a:ext uri="{FF2B5EF4-FFF2-40B4-BE49-F238E27FC236}">
+                <a16:creationId xmlns:a16="http://schemas.microsoft.com/office/drawing/2014/main" id="{FC31BC03-0094-061D-5B6B-21AE12DF146A}"/>
+              </a:ext>
+            </a:extLst>
+          </p:cNvPr>
+          <p:cNvPicPr>
+            <a:picLocks noChangeAspect="1"/>
+          </p:cNvPicPr>
+          <p:nvPr/>
+        </p:nvPicPr>
+        <p:blipFill rotWithShape="1">
+          <a:blip r:embed="rId3"/>
+          <a:srcRect l="1745" t="1621" r="1934" b="1297"/>
+          <a:stretch/>
+        </p:blipFill>
+        <p:spPr>
+          <a:xfrm>
+            <a:off x="5697788" y="2168526"/>
+            <a:ext cx="1946776" cy="1962150"/>
+          </a:xfrm>
+          <a:prstGeom prst="rect">
+            <a:avLst/>
+          </a:prstGeom>
+        </p:spPr>
+      </p:pic>
+      <p:pic>
+        <p:nvPicPr>
+          <p:cNvPr id="44" name="Picture 43">
+            <a:extLst>
+              <a:ext uri="{FF2B5EF4-FFF2-40B4-BE49-F238E27FC236}">
+                <a16:creationId xmlns:a16="http://schemas.microsoft.com/office/drawing/2014/main" id="{0EC708D8-D7F1-2AB0-069A-909E96F8820C}"/>
+              </a:ext>
+            </a:extLst>
+          </p:cNvPr>
+          <p:cNvPicPr>
+            <a:picLocks noChangeAspect="1"/>
+          </p:cNvPicPr>
+          <p:nvPr/>
+        </p:nvPicPr>
+        <p:blipFill rotWithShape="1">
+          <a:blip r:embed="rId4"/>
+          <a:srcRect l="2060" t="1761" r="1619" b="1159"/>
+          <a:stretch/>
+        </p:blipFill>
+        <p:spPr>
+          <a:xfrm>
+            <a:off x="7644564" y="2168526"/>
+            <a:ext cx="1946776" cy="1962150"/>
+          </a:xfrm>
+          <a:prstGeom prst="rect">
+            <a:avLst/>
+          </a:prstGeom>
+        </p:spPr>
+      </p:pic>
+      <p:pic>
+        <p:nvPicPr>
+          <p:cNvPr id="2" name="Picture 1">
+            <a:extLst>
+              <a:ext uri="{FF2B5EF4-FFF2-40B4-BE49-F238E27FC236}">
+                <a16:creationId xmlns:a16="http://schemas.microsoft.com/office/drawing/2014/main" id="{3DF4D0B9-678D-40B4-CBC1-D9BF1BBA4A27}"/>
+              </a:ext>
+            </a:extLst>
+          </p:cNvPr>
+          <p:cNvPicPr>
+            <a:picLocks noChangeAspect="1"/>
+          </p:cNvPicPr>
+          <p:nvPr/>
+        </p:nvPicPr>
+        <p:blipFill rotWithShape="1">
+          <a:blip r:embed="rId5"/>
+          <a:srcRect l="1771" t="1483" r="1686" b="1435"/>
+          <a:stretch/>
+        </p:blipFill>
+        <p:spPr>
+          <a:xfrm>
+            <a:off x="3746500" y="2168526"/>
+            <a:ext cx="1951288" cy="1962150"/>
+          </a:xfrm>
+          <a:prstGeom prst="rect">
+            <a:avLst/>
+          </a:prstGeom>
+        </p:spPr>
+      </p:pic>
+    </p:spTree>
+    <p:extLst>
+      <p:ext uri="{BB962C8B-B14F-4D97-AF65-F5344CB8AC3E}">
+        <p14:creationId xmlns:p14="http://schemas.microsoft.com/office/powerpoint/2010/main" val="1925433790"/>
+      </p:ext>
+    </p:extLst>
+  </p:cSld>
+  <p:clrMapOvr>
+    <a:masterClrMapping/>
+  </p:clrMapOvr>
+</p:sld>
+</file>
+
+<file path=ppt/slides/slide7.xml><?xml version="1.0" encoding="utf-8"?>
+<p:sld xmlns:a="http://schemas.openxmlformats.org/drawingml/2006/main" xmlns:r="http://schemas.openxmlformats.org/officeDocument/2006/relationships" xmlns:p="http://schemas.openxmlformats.org/presentationml/2006/main">
+  <p:cSld>
+    <p:spTree>
+      <p:nvGrpSpPr>
+        <p:cNvPr id="1" name=""/>
+        <p:cNvGrpSpPr/>
+        <p:nvPr/>
+      </p:nvGrpSpPr>
+      <p:grpSpPr>
+        <a:xfrm>
+          <a:off x="0" y="0"/>
+          <a:ext cx="0" cy="0"/>
+          <a:chOff x="0" y="0"/>
+          <a:chExt cx="0" cy="0"/>
+        </a:xfrm>
+      </p:grpSpPr>
+      <p:pic>
+        <p:nvPicPr>
           <p:cNvPr id="5" name="Picture 4" descr="A graph with numbers and lines&#10;&#10;Description automatically generated">
             <a:extLst>
               <a:ext uri="{FF2B5EF4-FFF2-40B4-BE49-F238E27FC236}">
@@ -5543,7 +5690,7 @@
 </p:sld>
 </file>
 
-<file path=ppt/slides/slide7.xml><?xml version="1.0" encoding="utf-8"?>
+<file path=ppt/slides/slide8.xml><?xml version="1.0" encoding="utf-8"?>
 <p:sld xmlns:a="http://schemas.openxmlformats.org/drawingml/2006/main" xmlns:r="http://schemas.openxmlformats.org/officeDocument/2006/relationships" xmlns:p="http://schemas.openxmlformats.org/presentationml/2006/main">
   <p:cSld>
     <p:spTree>
